--- a/ppt/R-08-Regression.pptx
+++ b/ppt/R-08-Regression.pptx
@@ -5133,14 +5133,14 @@
               <a:t> (non </a:t>
             </a:r>
             <a:r>
-              <a:rPr lang="fr-FR" dirty="0" err="1" smtClean="0"/>
-              <a:t>ecnore</a:t>
-            </a:r>
-            <a:r>
-              <a:rPr lang="fr-FR" smtClean="0"/>
-              <a:t> vu)</a:t>
-            </a:r>
-            <a:endParaRPr lang="fr-FR"/>
+              <a:rPr lang="fr-FR" dirty="0" smtClean="0"/>
+              <a:t>encore </a:t>
+            </a:r>
+            <a:r>
+              <a:rPr lang="fr-FR" dirty="0" smtClean="0"/>
+              <a:t>vu)</a:t>
+            </a:r>
+            <a:endParaRPr lang="fr-FR" dirty="0"/>
           </a:p>
           <a:p>
             <a:pPr lvl="1"/>
@@ -5381,30 +5381,15 @@
             <a:pPr lvl="1"/>
             <a:r>
               <a:rPr lang="en-US" dirty="0" err="1" smtClean="0"/>
-              <a:t>Mais</a:t>
+              <a:t>En</a:t>
             </a:r>
             <a:r>
               <a:rPr lang="en-US" dirty="0" smtClean="0"/>
               <a:t> </a:t>
             </a:r>
             <a:r>
-              <a:rPr lang="en-US" dirty="0" err="1" smtClean="0"/>
-              <a:t>ramené</a:t>
-            </a:r>
-            <a:r>
               <a:rPr lang="en-US" dirty="0" smtClean="0"/>
-              <a:t> au m² EQM/m² = 14.7€</a:t>
-            </a:r>
-          </a:p>
-          <a:p>
-            <a:pPr lvl="1"/>
-            <a:r>
-              <a:rPr lang="en-US" dirty="0" err="1" smtClean="0"/>
-              <a:t>En</a:t>
-            </a:r>
-            <a:r>
-              <a:rPr lang="en-US" dirty="0" smtClean="0"/>
-              <a:t> % pour un prix </a:t>
+              <a:t>% pour un prix </a:t>
             </a:r>
             <a:r>
               <a:rPr lang="en-US" dirty="0" err="1" smtClean="0"/>
@@ -5432,7 +5417,15 @@
             </a:r>
             <a:r>
               <a:rPr lang="en-US" dirty="0" err="1" smtClean="0"/>
-              <a:t>c'est</a:t>
+              <a:t>ce</a:t>
+            </a:r>
+            <a:r>
+              <a:rPr lang="en-US" dirty="0" smtClean="0"/>
+              <a:t> qui </a:t>
+            </a:r>
+            <a:r>
+              <a:rPr lang="en-US" dirty="0" err="1" smtClean="0"/>
+              <a:t>prouve</a:t>
             </a:r>
             <a:r>
               <a:rPr lang="en-US" dirty="0" smtClean="0"/>
@@ -5440,7 +5433,42 @@
             </a:r>
             <a:r>
               <a:rPr lang="en-US" dirty="0" err="1" smtClean="0"/>
-              <a:t>énorme</a:t>
+              <a:t>une</a:t>
+            </a:r>
+            <a:r>
+              <a:rPr lang="en-US" dirty="0" smtClean="0"/>
+              <a:t> </a:t>
+            </a:r>
+            <a:r>
+              <a:rPr lang="en-US" dirty="0" err="1" smtClean="0"/>
+              <a:t>grosse</a:t>
+            </a:r>
+            <a:r>
+              <a:rPr lang="en-US" dirty="0" smtClean="0"/>
+              <a:t> dispersion</a:t>
+            </a:r>
+          </a:p>
+          <a:p>
+            <a:pPr lvl="1"/>
+            <a:r>
+              <a:rPr lang="en-US" dirty="0" err="1"/>
+              <a:t>Mais</a:t>
+            </a:r>
+            <a:r>
+              <a:rPr lang="en-US" dirty="0"/>
+              <a:t> </a:t>
+            </a:r>
+            <a:r>
+              <a:rPr lang="en-US" dirty="0" err="1"/>
+              <a:t>ramené</a:t>
+            </a:r>
+            <a:r>
+              <a:rPr lang="en-US" dirty="0"/>
+              <a:t> au m² EQM/m² = 14.7</a:t>
+            </a:r>
+            <a:r>
+              <a:rPr lang="en-US" dirty="0" smtClean="0"/>
+              <a:t>€</a:t>
             </a:r>
             <a:endParaRPr lang="en-US" dirty="0" smtClean="0"/>
           </a:p>
@@ -5513,11 +5541,15 @@
             </a:r>
             <a:r>
               <a:rPr lang="en-US" dirty="0" err="1" smtClean="0"/>
-              <a:t>celà</a:t>
+              <a:t>cel</a:t>
             </a:r>
             <a:r>
               <a:rPr lang="en-US" dirty="0" smtClean="0"/>
-              <a:t> fait EQM/cm = 7.1% </a:t>
+              <a:t> </a:t>
+            </a:r>
+            <a:r>
+              <a:rPr lang="en-US" dirty="0" smtClean="0"/>
+              <a:t>fait EQM/cm = 7.1% </a:t>
             </a:r>
             <a:r>
               <a:rPr lang="en-US" dirty="0" err="1" smtClean="0"/>
@@ -5756,16 +5788,16 @@
               <a:t>Possibilité de calculer la </a:t>
             </a:r>
             <a:r>
-              <a:rPr lang="fr-FR" dirty="0" err="1" smtClean="0"/>
-              <a:t>mediane</a:t>
+              <a:rPr lang="fr-FR" dirty="0" smtClean="0"/>
+              <a:t>médiane</a:t>
             </a:r>
             <a:r>
               <a:rPr lang="fr-FR" dirty="0" smtClean="0"/>
               <a:t>, quartile, </a:t>
             </a:r>
             <a:r>
-              <a:rPr lang="fr-FR" dirty="0" err="1" smtClean="0"/>
-              <a:t>decile</a:t>
+              <a:rPr lang="fr-FR" dirty="0" smtClean="0"/>
+              <a:t>décile</a:t>
             </a:r>
             <a:r>
               <a:rPr lang="fr-FR" dirty="0" smtClean="0"/>
@@ -6013,15 +6045,13 @@
             <a:pPr lvl="1"/>
             <a:r>
               <a:rPr lang="fr-FR" dirty="0" smtClean="0"/>
-              <a:t>au lieu de 928</a:t>
-            </a:r>
-          </a:p>
-          <a:p>
-            <a:pPr lvl="1"/>
-            <a:r>
-              <a:rPr lang="fr-FR" dirty="0" smtClean="0"/>
-              <a:t>soit 17% d'erreur</a:t>
-            </a:r>
+              <a:t>au lieu de </a:t>
+            </a:r>
+            <a:r>
+              <a:rPr lang="fr-FR" dirty="0" smtClean="0"/>
+              <a:t>928</a:t>
+            </a:r>
+            <a:endParaRPr lang="fr-FR" dirty="0" smtClean="0"/>
           </a:p>
         </p:txBody>
       </p:sp>
@@ -6905,12 +6935,12 @@
               <a:t>test peut s'effectuer </a:t>
             </a:r>
             <a:r>
-              <a:rPr lang="fr-FR" dirty="0" err="1"/>
-              <a:t>grace</a:t>
+              <a:rPr lang="fr-FR" dirty="0" smtClean="0"/>
+              <a:t>grâce </a:t>
             </a:r>
             <a:r>
               <a:rPr lang="fr-FR" dirty="0"/>
-              <a:t> à la </a:t>
+              <a:t>à la </a:t>
             </a:r>
             <a:r>
               <a:rPr lang="fr-FR" dirty="0" smtClean="0"/>
@@ -7922,21 +7952,20 @@
           <a:p>
             <a:r>
               <a:rPr lang="fr-FR" dirty="0" smtClean="0"/>
-              <a:t>Une régression </a:t>
-            </a:r>
-            <a:r>
-              <a:rPr lang="fr-FR" dirty="0" err="1" smtClean="0"/>
-              <a:t>sinusoidale</a:t>
-            </a:r>
-            <a:r>
-              <a:rPr lang="fr-FR" dirty="0" smtClean="0"/>
-              <a:t> </a:t>
+              <a:t>Une </a:t>
             </a:r>
             <a:r>
               <a:rPr lang="fr-FR" smtClean="0"/>
+              <a:t>régression </a:t>
+            </a:r>
+            <a:r>
+              <a:rPr lang="fr-FR" smtClean="0"/>
+              <a:t>sinusoïdale </a:t>
+            </a:r>
+            <a:r>
+              <a:rPr lang="fr-FR" dirty="0" smtClean="0"/>
               <a:t>peut s'écrire</a:t>
             </a:r>
-            <a:endParaRPr lang="fr-FR" dirty="0" smtClean="0"/>
           </a:p>
           <a:p>
             <a:r>

--- a/ppt/R-08-Regression.pptx
+++ b/ppt/R-08-Regression.pptx
@@ -3926,6 +3926,13 @@
   <p:clrMapOvr>
     <a:masterClrMapping/>
   </p:clrMapOvr>
+  <p:timing>
+    <p:tnLst>
+      <p:par>
+        <p:cTn id="1" dur="indefinite" restart="never" nodeType="tmRoot"/>
+      </p:par>
+    </p:tnLst>
+  </p:timing>
 </p:sld>
 </file>
 
@@ -4033,6 +4040,13 @@
   <p:clrMapOvr>
     <a:masterClrMapping/>
   </p:clrMapOvr>
+  <p:timing>
+    <p:tnLst>
+      <p:par>
+        <p:cTn id="1" dur="indefinite" restart="never" nodeType="tmRoot"/>
+      </p:par>
+    </p:tnLst>
+  </p:timing>
 </p:sld>
 </file>
 
@@ -4151,6 +4165,13 @@
   <p:clrMapOvr>
     <a:masterClrMapping/>
   </p:clrMapOvr>
+  <p:timing>
+    <p:tnLst>
+      <p:par>
+        <p:cTn id="1" dur="indefinite" restart="never" nodeType="tmRoot"/>
+      </p:par>
+    </p:tnLst>
+  </p:timing>
 </p:sld>
 </file>
 
@@ -4309,6 +4330,13 @@
   <p:clrMapOvr>
     <a:masterClrMapping/>
   </p:clrMapOvr>
+  <p:timing>
+    <p:tnLst>
+      <p:par>
+        <p:cTn id="1" dur="indefinite" restart="never" nodeType="tmRoot"/>
+      </p:par>
+    </p:tnLst>
+  </p:timing>
 </p:sld>
 </file>
 
@@ -4408,6 +4436,13 @@
   <p:clrMapOvr>
     <a:masterClrMapping/>
   </p:clrMapOvr>
+  <p:timing>
+    <p:tnLst>
+      <p:par>
+        <p:cTn id="1" dur="indefinite" restart="never" nodeType="tmRoot"/>
+      </p:par>
+    </p:tnLst>
+  </p:timing>
 </p:sld>
 </file>
 
@@ -4544,6 +4579,13 @@
   <p:clrMapOvr>
     <a:masterClrMapping/>
   </p:clrMapOvr>
+  <p:timing>
+    <p:tnLst>
+      <p:par>
+        <p:cTn id="1" dur="indefinite" restart="never" nodeType="tmRoot"/>
+      </p:par>
+    </p:tnLst>
+  </p:timing>
 </p:sld>
 </file>
 
@@ -4685,6 +4727,13 @@
   <p:clrMapOvr>
     <a:masterClrMapping/>
   </p:clrMapOvr>
+  <p:timing>
+    <p:tnLst>
+      <p:par>
+        <p:cTn id="1" dur="indefinite" restart="never" nodeType="tmRoot"/>
+      </p:par>
+    </p:tnLst>
+  </p:timing>
 </p:sld>
 </file>
 
@@ -4809,6 +4858,13 @@
   <p:clrMapOvr>
     <a:masterClrMapping/>
   </p:clrMapOvr>
+  <p:timing>
+    <p:tnLst>
+      <p:par>
+        <p:cTn id="1" dur="indefinite" restart="never" nodeType="tmRoot"/>
+      </p:par>
+    </p:tnLst>
+  </p:timing>
 </p:sld>
 </file>
 
@@ -4952,6 +5008,13 @@
   <p:clrMapOvr>
     <a:masterClrMapping/>
   </p:clrMapOvr>
+  <p:timing>
+    <p:tnLst>
+      <p:par>
+        <p:cTn id="1" dur="indefinite" restart="never" nodeType="tmRoot"/>
+      </p:par>
+    </p:tnLst>
+  </p:timing>
 </p:sld>
 </file>
 
@@ -5130,15 +5193,7 @@
             </a:r>
             <a:r>
               <a:rPr lang="fr-FR" dirty="0" smtClean="0"/>
-              <a:t> (non </a:t>
-            </a:r>
-            <a:r>
-              <a:rPr lang="fr-FR" dirty="0" smtClean="0"/>
-              <a:t>encore </a:t>
-            </a:r>
-            <a:r>
-              <a:rPr lang="fr-FR" dirty="0" smtClean="0"/>
-              <a:t>vu)</a:t>
+              <a:t> (non encore vu)</a:t>
             </a:r>
             <a:endParaRPr lang="fr-FR" dirty="0"/>
           </a:p>
@@ -5173,6 +5228,13 @@
   <p:clrMapOvr>
     <a:masterClrMapping/>
   </p:clrMapOvr>
+  <p:timing>
+    <p:tnLst>
+      <p:par>
+        <p:cTn id="1" dur="indefinite" restart="never" nodeType="tmRoot"/>
+      </p:par>
+    </p:tnLst>
+  </p:timing>
 </p:sld>
 </file>
 
@@ -5290,6 +5352,13 @@
   <p:clrMapOvr>
     <a:masterClrMapping/>
   </p:clrMapOvr>
+  <p:timing>
+    <p:tnLst>
+      <p:par>
+        <p:cTn id="1" dur="indefinite" restart="never" nodeType="tmRoot"/>
+      </p:par>
+    </p:tnLst>
+  </p:timing>
 </p:sld>
 </file>
 
@@ -5385,11 +5454,7 @@
             </a:r>
             <a:r>
               <a:rPr lang="en-US" dirty="0" smtClean="0"/>
-              <a:t> </a:t>
-            </a:r>
-            <a:r>
-              <a:rPr lang="en-US" dirty="0" smtClean="0"/>
-              <a:t>% pour un prix </a:t>
+              <a:t> % pour un prix </a:t>
             </a:r>
             <a:r>
               <a:rPr lang="en-US" dirty="0" err="1" smtClean="0"/>
@@ -5470,7 +5535,6 @@
               <a:rPr lang="en-US" dirty="0" smtClean="0"/>
               <a:t>€</a:t>
             </a:r>
-            <a:endParaRPr lang="en-US" dirty="0" smtClean="0"/>
           </a:p>
           <a:p>
             <a:r>
@@ -5545,11 +5609,7 @@
             </a:r>
             <a:r>
               <a:rPr lang="en-US" dirty="0" smtClean="0"/>
-              <a:t> </a:t>
-            </a:r>
-            <a:r>
-              <a:rPr lang="en-US" dirty="0" smtClean="0"/>
-              <a:t>fait EQM/cm = 7.1% </a:t>
+              <a:t> fait EQM/cm = 7.1% </a:t>
             </a:r>
             <a:r>
               <a:rPr lang="en-US" dirty="0" err="1" smtClean="0"/>
@@ -5583,6 +5643,13 @@
   <p:clrMapOvr>
     <a:masterClrMapping/>
   </p:clrMapOvr>
+  <p:timing>
+    <p:tnLst>
+      <p:par>
+        <p:cTn id="1" dur="indefinite" restart="never" nodeType="tmRoot"/>
+      </p:par>
+    </p:tnLst>
+  </p:timing>
 </p:sld>
 </file>
 
@@ -5712,6 +5779,13 @@
   <p:clrMapOvr>
     <a:masterClrMapping/>
   </p:clrMapOvr>
+  <p:timing>
+    <p:tnLst>
+      <p:par>
+        <p:cTn id="1" dur="indefinite" restart="never" nodeType="tmRoot"/>
+      </p:par>
+    </p:tnLst>
+  </p:timing>
 </p:sld>
 </file>
 
@@ -5785,23 +5859,7 @@
           <a:p>
             <a:r>
               <a:rPr lang="fr-FR" dirty="0" smtClean="0"/>
-              <a:t>Possibilité de calculer la </a:t>
-            </a:r>
-            <a:r>
-              <a:rPr lang="fr-FR" dirty="0" smtClean="0"/>
-              <a:t>médiane</a:t>
-            </a:r>
-            <a:r>
-              <a:rPr lang="fr-FR" dirty="0" smtClean="0"/>
-              <a:t>, quartile, </a:t>
-            </a:r>
-            <a:r>
-              <a:rPr lang="fr-FR" dirty="0" smtClean="0"/>
-              <a:t>décile</a:t>
-            </a:r>
-            <a:r>
-              <a:rPr lang="fr-FR" dirty="0" smtClean="0"/>
-              <a:t>, centile</a:t>
+              <a:t>Possibilité de calculer la médiane, quartile, décile, centile</a:t>
             </a:r>
           </a:p>
           <a:p>
@@ -5820,6 +5878,13 @@
   <p:clrMapOvr>
     <a:masterClrMapping/>
   </p:clrMapOvr>
+  <p:timing>
+    <p:tnLst>
+      <p:par>
+        <p:cTn id="1" dur="indefinite" restart="never" nodeType="tmRoot"/>
+      </p:par>
+    </p:tnLst>
+  </p:timing>
 </p:sld>
 </file>
 
@@ -5955,6 +6020,13 @@
   <p:clrMapOvr>
     <a:masterClrMapping/>
   </p:clrMapOvr>
+  <p:timing>
+    <p:tnLst>
+      <p:par>
+        <p:cTn id="1" dur="indefinite" restart="never" nodeType="tmRoot"/>
+      </p:par>
+    </p:tnLst>
+  </p:timing>
 </p:sld>
 </file>
 
@@ -6045,13 +6117,8 @@
             <a:pPr lvl="1"/>
             <a:r>
               <a:rPr lang="fr-FR" dirty="0" smtClean="0"/>
-              <a:t>au lieu de </a:t>
-            </a:r>
-            <a:r>
-              <a:rPr lang="fr-FR" dirty="0" smtClean="0"/>
-              <a:t>928</a:t>
-            </a:r>
-            <a:endParaRPr lang="fr-FR" dirty="0" smtClean="0"/>
+              <a:t>au lieu de 928</a:t>
+            </a:r>
           </a:p>
         </p:txBody>
       </p:sp>
@@ -6089,6 +6156,13 @@
   <p:clrMapOvr>
     <a:masterClrMapping/>
   </p:clrMapOvr>
+  <p:timing>
+    <p:tnLst>
+      <p:par>
+        <p:cTn id="1" dur="indefinite" restart="never" nodeType="tmRoot"/>
+      </p:par>
+    </p:tnLst>
+  </p:timing>
 </p:sld>
 </file>
 
@@ -6231,6 +6305,13 @@
   <p:clrMapOvr>
     <a:masterClrMapping/>
   </p:clrMapOvr>
+  <p:timing>
+    <p:tnLst>
+      <p:par>
+        <p:cTn id="1" dur="indefinite" restart="never" nodeType="tmRoot"/>
+      </p:par>
+    </p:tnLst>
+  </p:timing>
 </p:sld>
 </file>
 
@@ -6340,6 +6421,13 @@
   <p:clrMapOvr>
     <a:masterClrMapping/>
   </p:clrMapOvr>
+  <p:timing>
+    <p:tnLst>
+      <p:par>
+        <p:cTn id="1" dur="indefinite" restart="never" nodeType="tmRoot"/>
+      </p:par>
+    </p:tnLst>
+  </p:timing>
 </p:sld>
 </file>
 
@@ -6511,6 +6599,13 @@
   <p:clrMapOvr>
     <a:masterClrMapping/>
   </p:clrMapOvr>
+  <p:timing>
+    <p:tnLst>
+      <p:par>
+        <p:cTn id="1" dur="indefinite" restart="never" nodeType="tmRoot"/>
+      </p:par>
+    </p:tnLst>
+  </p:timing>
 </p:sld>
 </file>
 
@@ -6607,6 +6702,13 @@
   <p:clrMapOvr>
     <a:masterClrMapping/>
   </p:clrMapOvr>
+  <p:timing>
+    <p:tnLst>
+      <p:par>
+        <p:cTn id="1" dur="indefinite" restart="never" nodeType="tmRoot"/>
+      </p:par>
+    </p:tnLst>
+  </p:timing>
 </p:sld>
 </file>
 
@@ -6729,6 +6831,13 @@
   <p:clrMapOvr>
     <a:masterClrMapping/>
   </p:clrMapOvr>
+  <p:timing>
+    <p:tnLst>
+      <p:par>
+        <p:cTn id="1" dur="indefinite" restart="never" nodeType="tmRoot"/>
+      </p:par>
+    </p:tnLst>
+  </p:timing>
 </p:sld>
 </file>
 
@@ -6846,6 +6955,13 @@
   <p:clrMapOvr>
     <a:masterClrMapping/>
   </p:clrMapOvr>
+  <p:timing>
+    <p:tnLst>
+      <p:par>
+        <p:cTn id="1" dur="indefinite" restart="never" nodeType="tmRoot"/>
+      </p:par>
+    </p:tnLst>
+  </p:timing>
 </p:sld>
 </file>
 
@@ -7014,6 +7130,13 @@
   <p:clrMapOvr>
     <a:masterClrMapping/>
   </p:clrMapOvr>
+  <p:timing>
+    <p:tnLst>
+      <p:par>
+        <p:cTn id="1" dur="indefinite" restart="never" nodeType="tmRoot"/>
+      </p:par>
+    </p:tnLst>
+  </p:timing>
 </p:sld>
 </file>
 
@@ -7142,6 +7265,13 @@
   <p:clrMapOvr>
     <a:masterClrMapping/>
   </p:clrMapOvr>
+  <p:timing>
+    <p:tnLst>
+      <p:par>
+        <p:cTn id="1" dur="indefinite" restart="never" nodeType="tmRoot"/>
+      </p:par>
+    </p:tnLst>
+  </p:timing>
 </p:sld>
 </file>
 
@@ -7259,6 +7389,13 @@
   <p:clrMapOvr>
     <a:masterClrMapping/>
   </p:clrMapOvr>
+  <p:timing>
+    <p:tnLst>
+      <p:par>
+        <p:cTn id="1" dur="indefinite" restart="never" nodeType="tmRoot"/>
+      </p:par>
+    </p:tnLst>
+  </p:timing>
 </p:sld>
 </file>
 
@@ -7396,8 +7533,19 @@
             </a:r>
             <a:r>
               <a:rPr lang="fr-FR" dirty="0" smtClean="0"/>
-              <a:t> = ax3 + bx² + cx + d</a:t>
-            </a:r>
+              <a:t> = ax3 + bx² + cx + </a:t>
+            </a:r>
+            <a:r>
+              <a:rPr lang="fr-FR" dirty="0" smtClean="0"/>
+              <a:t>d</a:t>
+            </a:r>
+          </a:p>
+          <a:p>
+            <a:r>
+              <a:rPr lang="fr-FR" dirty="0" smtClean="0"/>
+              <a:t>Polynomiale</a:t>
+            </a:r>
+            <a:endParaRPr lang="fr-FR" dirty="0" smtClean="0"/>
           </a:p>
         </p:txBody>
       </p:sp>
@@ -7459,6 +7607,13 @@
   <p:clrMapOvr>
     <a:masterClrMapping/>
   </p:clrMapOvr>
+  <p:timing>
+    <p:tnLst>
+      <p:par>
+        <p:cTn id="1" dur="indefinite" restart="never" nodeType="tmRoot"/>
+      </p:par>
+    </p:tnLst>
+  </p:timing>
 </p:sld>
 </file>
 
@@ -7629,6 +7784,13 @@
   <p:clrMapOvr>
     <a:masterClrMapping/>
   </p:clrMapOvr>
+  <p:timing>
+    <p:tnLst>
+      <p:par>
+        <p:cTn id="1" dur="indefinite" restart="never" nodeType="tmRoot"/>
+      </p:par>
+    </p:tnLst>
+  </p:timing>
 </p:sld>
 </file>
 
@@ -7793,6 +7955,13 @@
   <p:clrMapOvr>
     <a:masterClrMapping/>
   </p:clrMapOvr>
+  <p:timing>
+    <p:tnLst>
+      <p:par>
+        <p:cTn id="1" dur="indefinite" restart="never" nodeType="tmRoot"/>
+      </p:par>
+    </p:tnLst>
+  </p:timing>
 </p:sld>
 </file>
 
@@ -7892,6 +8061,13 @@
   <p:clrMapOvr>
     <a:masterClrMapping/>
   </p:clrMapOvr>
+  <p:timing>
+    <p:tnLst>
+      <p:par>
+        <p:cTn id="1" dur="indefinite" restart="never" nodeType="tmRoot"/>
+      </p:par>
+    </p:tnLst>
+  </p:timing>
 </p:sld>
 </file>
 
@@ -7952,58 +8128,23 @@
           <a:p>
             <a:r>
               <a:rPr lang="fr-FR" dirty="0" smtClean="0"/>
-              <a:t>Une </a:t>
+              <a:t>Une régression sinusoïdale peut s'écrire</a:t>
+            </a:r>
+          </a:p>
+          <a:p>
+            <a:r>
+              <a:rPr lang="fr-FR" dirty="0"/>
+              <a:t>reg = lm(y ~ </a:t>
+            </a:r>
+            <a:r>
+              <a:rPr lang="fr-FR" dirty="0" smtClean="0"/>
+              <a:t>a * sin(x / </a:t>
             </a:r>
             <a:r>
               <a:rPr lang="fr-FR" smtClean="0"/>
-              <a:t>régression </a:t>
-            </a:r>
-            <a:r>
-              <a:rPr lang="fr-FR" smtClean="0"/>
-              <a:t>sinusoïdale </a:t>
-            </a:r>
-            <a:r>
-              <a:rPr lang="fr-FR" dirty="0" smtClean="0"/>
-              <a:t>peut s'écrire</a:t>
-            </a:r>
-          </a:p>
-          <a:p>
-            <a:r>
-              <a:rPr lang="fr-FR" dirty="0"/>
-              <a:t>reg = lm(y ~ sin(x</a:t>
-            </a:r>
-            <a:r>
-              <a:rPr lang="fr-FR" dirty="0" smtClean="0"/>
-              <a:t>))</a:t>
-            </a:r>
-          </a:p>
-          <a:p>
-            <a:pPr lvl="1"/>
-            <a:r>
-              <a:rPr lang="fr-FR" dirty="0"/>
-              <a:t>lm(y ~ poly(x, 2</a:t>
-            </a:r>
-            <a:r>
-              <a:rPr lang="fr-FR" dirty="0" smtClean="0"/>
-              <a:t>)) </a:t>
-            </a:r>
-            <a:r>
-              <a:rPr lang="fr-FR" dirty="0"/>
-              <a:t>&lt;=&gt; </a:t>
-            </a:r>
-            <a:r>
-              <a:rPr lang="fr-FR" dirty="0" smtClean="0"/>
-              <a:t>lm(y ~ x </a:t>
-            </a:r>
-            <a:r>
-              <a:rPr lang="fr-FR" dirty="0"/>
-              <a:t>+ I(X^2</a:t>
-            </a:r>
-            <a:r>
-              <a:rPr lang="fr-FR" dirty="0" smtClean="0"/>
-              <a:t>))</a:t>
-            </a:r>
-            <a:endParaRPr lang="fr-FR" dirty="0"/>
+              <a:t>b))</a:t>
+            </a:r>
+            <a:endParaRPr lang="fr-FR" dirty="0" smtClean="0"/>
           </a:p>
         </p:txBody>
       </p:sp>
@@ -8017,6 +8158,13 @@
   <p:clrMapOvr>
     <a:masterClrMapping/>
   </p:clrMapOvr>
+  <p:timing>
+    <p:tnLst>
+      <p:par>
+        <p:cTn id="1" dur="indefinite" restart="never" nodeType="tmRoot"/>
+      </p:par>
+    </p:tnLst>
+  </p:timing>
 </p:sld>
 </file>
 
@@ -8134,6 +8282,13 @@
   <p:clrMapOvr>
     <a:masterClrMapping/>
   </p:clrMapOvr>
+  <p:timing>
+    <p:tnLst>
+      <p:par>
+        <p:cTn id="1" dur="indefinite" restart="never" nodeType="tmRoot"/>
+      </p:par>
+    </p:tnLst>
+  </p:timing>
 </p:sld>
 </file>
 
@@ -8251,6 +8406,13 @@
   <p:clrMapOvr>
     <a:masterClrMapping/>
   </p:clrMapOvr>
+  <p:timing>
+    <p:tnLst>
+      <p:par>
+        <p:cTn id="1" dur="indefinite" restart="never" nodeType="tmRoot"/>
+      </p:par>
+    </p:tnLst>
+  </p:timing>
 </p:sld>
 </file>
 
@@ -8413,6 +8575,13 @@
   <p:clrMapOvr>
     <a:masterClrMapping/>
   </p:clrMapOvr>
+  <p:timing>
+    <p:tnLst>
+      <p:par>
+        <p:cTn id="1" dur="indefinite" restart="never" nodeType="tmRoot"/>
+      </p:par>
+    </p:tnLst>
+  </p:timing>
 </p:sld>
 </file>
 
@@ -8532,6 +8701,13 @@
   <p:clrMapOvr>
     <a:masterClrMapping/>
   </p:clrMapOvr>
+  <p:timing>
+    <p:tnLst>
+      <p:par>
+        <p:cTn id="1" dur="indefinite" restart="never" nodeType="tmRoot"/>
+      </p:par>
+    </p:tnLst>
+  </p:timing>
 </p:sld>
 </file>
 
@@ -8650,6 +8826,13 @@
   <p:clrMapOvr>
     <a:masterClrMapping/>
   </p:clrMapOvr>
+  <p:timing>
+    <p:tnLst>
+      <p:par>
+        <p:cTn id="1" dur="indefinite" restart="never" nodeType="tmRoot"/>
+      </p:par>
+    </p:tnLst>
+  </p:timing>
 </p:sld>
 </file>
 
@@ -8797,6 +8980,13 @@
   <p:clrMapOvr>
     <a:masterClrMapping/>
   </p:clrMapOvr>
+  <p:timing>
+    <p:tnLst>
+      <p:par>
+        <p:cTn id="1" dur="indefinite" restart="never" nodeType="tmRoot"/>
+      </p:par>
+    </p:tnLst>
+  </p:timing>
 </p:sld>
 </file>
 
